--- a/Лекция 13.pptx
+++ b/Лекция 13.pptx
@@ -259,7 +259,7 @@
           <a:p>
             <a:fld id="{44DBC884-B382-4302-8488-D4E467EB670D}" type="datetimeFigureOut">
               <a:rPr lang="ru-RU" smtClean="0"/>
-              <a:t>05.09.2021</a:t>
+              <a:t>28.02.2022</a:t>
             </a:fld>
             <a:endParaRPr lang="ru-RU" dirty="0"/>
           </a:p>
@@ -658,7 +658,7 @@
           <a:p>
             <a:fld id="{9F4DF3D0-C105-404D-A43B-7CBA1B97B744}" type="datetimeFigureOut">
               <a:rPr lang="ru-RU" smtClean="0"/>
-              <a:t>05.09.2021</a:t>
+              <a:t>28.02.2022</a:t>
             </a:fld>
             <a:endParaRPr lang="ru-RU" dirty="0"/>
           </a:p>
@@ -828,7 +828,7 @@
           <a:p>
             <a:fld id="{9F4DF3D0-C105-404D-A43B-7CBA1B97B744}" type="datetimeFigureOut">
               <a:rPr lang="ru-RU" smtClean="0"/>
-              <a:t>05.09.2021</a:t>
+              <a:t>28.02.2022</a:t>
             </a:fld>
             <a:endParaRPr lang="ru-RU" dirty="0"/>
           </a:p>
@@ -1008,7 +1008,7 @@
           <a:p>
             <a:fld id="{9F4DF3D0-C105-404D-A43B-7CBA1B97B744}" type="datetimeFigureOut">
               <a:rPr lang="ru-RU" smtClean="0"/>
-              <a:t>05.09.2021</a:t>
+              <a:t>28.02.2022</a:t>
             </a:fld>
             <a:endParaRPr lang="ru-RU" dirty="0"/>
           </a:p>
@@ -1178,7 +1178,7 @@
           <a:p>
             <a:fld id="{9F4DF3D0-C105-404D-A43B-7CBA1B97B744}" type="datetimeFigureOut">
               <a:rPr lang="ru-RU" smtClean="0"/>
-              <a:t>05.09.2021</a:t>
+              <a:t>28.02.2022</a:t>
             </a:fld>
             <a:endParaRPr lang="ru-RU" dirty="0"/>
           </a:p>
@@ -1424,7 +1424,7 @@
           <a:p>
             <a:fld id="{9F4DF3D0-C105-404D-A43B-7CBA1B97B744}" type="datetimeFigureOut">
               <a:rPr lang="ru-RU" smtClean="0"/>
-              <a:t>05.09.2021</a:t>
+              <a:t>28.02.2022</a:t>
             </a:fld>
             <a:endParaRPr lang="ru-RU" dirty="0"/>
           </a:p>
@@ -1656,7 +1656,7 @@
           <a:p>
             <a:fld id="{9F4DF3D0-C105-404D-A43B-7CBA1B97B744}" type="datetimeFigureOut">
               <a:rPr lang="ru-RU" smtClean="0"/>
-              <a:t>05.09.2021</a:t>
+              <a:t>28.02.2022</a:t>
             </a:fld>
             <a:endParaRPr lang="ru-RU" dirty="0"/>
           </a:p>
@@ -2023,7 +2023,7 @@
           <a:p>
             <a:fld id="{9F4DF3D0-C105-404D-A43B-7CBA1B97B744}" type="datetimeFigureOut">
               <a:rPr lang="ru-RU" smtClean="0"/>
-              <a:t>05.09.2021</a:t>
+              <a:t>28.02.2022</a:t>
             </a:fld>
             <a:endParaRPr lang="ru-RU" dirty="0"/>
           </a:p>
@@ -2141,7 +2141,7 @@
           <a:p>
             <a:fld id="{9F4DF3D0-C105-404D-A43B-7CBA1B97B744}" type="datetimeFigureOut">
               <a:rPr lang="ru-RU" smtClean="0"/>
-              <a:t>05.09.2021</a:t>
+              <a:t>28.02.2022</a:t>
             </a:fld>
             <a:endParaRPr lang="ru-RU" dirty="0"/>
           </a:p>
@@ -2236,7 +2236,7 @@
           <a:p>
             <a:fld id="{9F4DF3D0-C105-404D-A43B-7CBA1B97B744}" type="datetimeFigureOut">
               <a:rPr lang="ru-RU" smtClean="0"/>
-              <a:t>05.09.2021</a:t>
+              <a:t>28.02.2022</a:t>
             </a:fld>
             <a:endParaRPr lang="ru-RU" dirty="0"/>
           </a:p>
@@ -2513,7 +2513,7 @@
           <a:p>
             <a:fld id="{9F4DF3D0-C105-404D-A43B-7CBA1B97B744}" type="datetimeFigureOut">
               <a:rPr lang="ru-RU" smtClean="0"/>
-              <a:t>05.09.2021</a:t>
+              <a:t>28.02.2022</a:t>
             </a:fld>
             <a:endParaRPr lang="ru-RU" dirty="0"/>
           </a:p>
@@ -2766,7 +2766,7 @@
           <a:p>
             <a:fld id="{9F4DF3D0-C105-404D-A43B-7CBA1B97B744}" type="datetimeFigureOut">
               <a:rPr lang="ru-RU" smtClean="0"/>
-              <a:t>05.09.2021</a:t>
+              <a:t>28.02.2022</a:t>
             </a:fld>
             <a:endParaRPr lang="ru-RU" dirty="0"/>
           </a:p>
@@ -2979,7 +2979,7 @@
           <a:p>
             <a:fld id="{9F4DF3D0-C105-404D-A43B-7CBA1B97B744}" type="datetimeFigureOut">
               <a:rPr lang="ru-RU" smtClean="0"/>
-              <a:t>05.09.2021</a:t>
+              <a:t>28.02.2022</a:t>
             </a:fld>
             <a:endParaRPr lang="ru-RU" dirty="0"/>
           </a:p>
@@ -3409,7 +3409,7 @@
               <a:t>Лекция №</a:t>
             </a:r>
             <a:r>
-              <a:rPr lang="en-US" smtClean="0"/>
+              <a:rPr lang="en-US" dirty="0" smtClean="0"/>
               <a:t>13</a:t>
             </a:r>
             <a:endParaRPr lang="ru-RU" dirty="0"/>
@@ -3440,11 +3440,11 @@
           <a:p>
             <a:r>
               <a:rPr lang="ru-RU" sz="4000" dirty="0" smtClean="0"/>
-              <a:t>Компьютерное зрение</a:t>
-            </a:r>
-            <a:r>
-              <a:rPr lang="en-US" sz="4000" dirty="0" smtClean="0"/>
-              <a:t>.</a:t>
+              <a:t>Компьютерное </a:t>
+            </a:r>
+            <a:r>
+              <a:rPr lang="ru-RU" sz="4000" dirty="0" smtClean="0"/>
+              <a:t>зрение</a:t>
             </a:r>
             <a:endParaRPr lang="ru-RU" sz="4000" dirty="0" smtClean="0"/>
           </a:p>

--- a/Лекция 13.pptx
+++ b/Лекция 13.pptx
@@ -5,7 +5,7 @@
     <p:sldMasterId id="2147483648" r:id="rId1"/>
   </p:sldMasterIdLst>
   <p:notesMasterIdLst>
-    <p:notesMasterId r:id="rId53"/>
+    <p:notesMasterId r:id="rId54"/>
   </p:notesMasterIdLst>
   <p:sldIdLst>
     <p:sldId id="256" r:id="rId2"/>
@@ -40,25 +40,26 @@
     <p:sldId id="387" r:id="rId31"/>
     <p:sldId id="363" r:id="rId32"/>
     <p:sldId id="364" r:id="rId33"/>
-    <p:sldId id="366" r:id="rId34"/>
-    <p:sldId id="392" r:id="rId35"/>
-    <p:sldId id="393" r:id="rId36"/>
-    <p:sldId id="394" r:id="rId37"/>
-    <p:sldId id="365" r:id="rId38"/>
-    <p:sldId id="395" r:id="rId39"/>
-    <p:sldId id="397" r:id="rId40"/>
-    <p:sldId id="396" r:id="rId41"/>
-    <p:sldId id="382" r:id="rId42"/>
-    <p:sldId id="383" r:id="rId43"/>
-    <p:sldId id="259" r:id="rId44"/>
-    <p:sldId id="260" r:id="rId45"/>
-    <p:sldId id="347" r:id="rId46"/>
-    <p:sldId id="398" r:id="rId47"/>
-    <p:sldId id="399" r:id="rId48"/>
-    <p:sldId id="400" r:id="rId49"/>
-    <p:sldId id="401" r:id="rId50"/>
-    <p:sldId id="402" r:id="rId51"/>
-    <p:sldId id="403" r:id="rId52"/>
+    <p:sldId id="404" r:id="rId34"/>
+    <p:sldId id="366" r:id="rId35"/>
+    <p:sldId id="392" r:id="rId36"/>
+    <p:sldId id="393" r:id="rId37"/>
+    <p:sldId id="394" r:id="rId38"/>
+    <p:sldId id="365" r:id="rId39"/>
+    <p:sldId id="395" r:id="rId40"/>
+    <p:sldId id="397" r:id="rId41"/>
+    <p:sldId id="396" r:id="rId42"/>
+    <p:sldId id="382" r:id="rId43"/>
+    <p:sldId id="383" r:id="rId44"/>
+    <p:sldId id="259" r:id="rId45"/>
+    <p:sldId id="260" r:id="rId46"/>
+    <p:sldId id="347" r:id="rId47"/>
+    <p:sldId id="398" r:id="rId48"/>
+    <p:sldId id="399" r:id="rId49"/>
+    <p:sldId id="400" r:id="rId50"/>
+    <p:sldId id="401" r:id="rId51"/>
+    <p:sldId id="402" r:id="rId52"/>
+    <p:sldId id="403" r:id="rId53"/>
   </p:sldIdLst>
   <p:sldSz cx="12192000" cy="6858000"/>
   <p:notesSz cx="6858000" cy="9144000"/>
@@ -259,7 +260,7 @@
           <a:p>
             <a:fld id="{44DBC884-B382-4302-8488-D4E467EB670D}" type="datetimeFigureOut">
               <a:rPr lang="ru-RU" smtClean="0"/>
-              <a:t>28.02.2022</a:t>
+              <a:t>11.04.2022</a:t>
             </a:fld>
             <a:endParaRPr lang="ru-RU" dirty="0"/>
           </a:p>
@@ -658,7 +659,7 @@
           <a:p>
             <a:fld id="{9F4DF3D0-C105-404D-A43B-7CBA1B97B744}" type="datetimeFigureOut">
               <a:rPr lang="ru-RU" smtClean="0"/>
-              <a:t>28.02.2022</a:t>
+              <a:t>11.04.2022</a:t>
             </a:fld>
             <a:endParaRPr lang="ru-RU" dirty="0"/>
           </a:p>
@@ -828,7 +829,7 @@
           <a:p>
             <a:fld id="{9F4DF3D0-C105-404D-A43B-7CBA1B97B744}" type="datetimeFigureOut">
               <a:rPr lang="ru-RU" smtClean="0"/>
-              <a:t>28.02.2022</a:t>
+              <a:t>11.04.2022</a:t>
             </a:fld>
             <a:endParaRPr lang="ru-RU" dirty="0"/>
           </a:p>
@@ -1008,7 +1009,7 @@
           <a:p>
             <a:fld id="{9F4DF3D0-C105-404D-A43B-7CBA1B97B744}" type="datetimeFigureOut">
               <a:rPr lang="ru-RU" smtClean="0"/>
-              <a:t>28.02.2022</a:t>
+              <a:t>11.04.2022</a:t>
             </a:fld>
             <a:endParaRPr lang="ru-RU" dirty="0"/>
           </a:p>
@@ -1178,7 +1179,7 @@
           <a:p>
             <a:fld id="{9F4DF3D0-C105-404D-A43B-7CBA1B97B744}" type="datetimeFigureOut">
               <a:rPr lang="ru-RU" smtClean="0"/>
-              <a:t>28.02.2022</a:t>
+              <a:t>11.04.2022</a:t>
             </a:fld>
             <a:endParaRPr lang="ru-RU" dirty="0"/>
           </a:p>
@@ -1424,7 +1425,7 @@
           <a:p>
             <a:fld id="{9F4DF3D0-C105-404D-A43B-7CBA1B97B744}" type="datetimeFigureOut">
               <a:rPr lang="ru-RU" smtClean="0"/>
-              <a:t>28.02.2022</a:t>
+              <a:t>11.04.2022</a:t>
             </a:fld>
             <a:endParaRPr lang="ru-RU" dirty="0"/>
           </a:p>
@@ -1656,7 +1657,7 @@
           <a:p>
             <a:fld id="{9F4DF3D0-C105-404D-A43B-7CBA1B97B744}" type="datetimeFigureOut">
               <a:rPr lang="ru-RU" smtClean="0"/>
-              <a:t>28.02.2022</a:t>
+              <a:t>11.04.2022</a:t>
             </a:fld>
             <a:endParaRPr lang="ru-RU" dirty="0"/>
           </a:p>
@@ -2023,7 +2024,7 @@
           <a:p>
             <a:fld id="{9F4DF3D0-C105-404D-A43B-7CBA1B97B744}" type="datetimeFigureOut">
               <a:rPr lang="ru-RU" smtClean="0"/>
-              <a:t>28.02.2022</a:t>
+              <a:t>11.04.2022</a:t>
             </a:fld>
             <a:endParaRPr lang="ru-RU" dirty="0"/>
           </a:p>
@@ -2141,7 +2142,7 @@
           <a:p>
             <a:fld id="{9F4DF3D0-C105-404D-A43B-7CBA1B97B744}" type="datetimeFigureOut">
               <a:rPr lang="ru-RU" smtClean="0"/>
-              <a:t>28.02.2022</a:t>
+              <a:t>11.04.2022</a:t>
             </a:fld>
             <a:endParaRPr lang="ru-RU" dirty="0"/>
           </a:p>
@@ -2236,7 +2237,7 @@
           <a:p>
             <a:fld id="{9F4DF3D0-C105-404D-A43B-7CBA1B97B744}" type="datetimeFigureOut">
               <a:rPr lang="ru-RU" smtClean="0"/>
-              <a:t>28.02.2022</a:t>
+              <a:t>11.04.2022</a:t>
             </a:fld>
             <a:endParaRPr lang="ru-RU" dirty="0"/>
           </a:p>
@@ -2513,7 +2514,7 @@
           <a:p>
             <a:fld id="{9F4DF3D0-C105-404D-A43B-7CBA1B97B744}" type="datetimeFigureOut">
               <a:rPr lang="ru-RU" smtClean="0"/>
-              <a:t>28.02.2022</a:t>
+              <a:t>11.04.2022</a:t>
             </a:fld>
             <a:endParaRPr lang="ru-RU" dirty="0"/>
           </a:p>
@@ -2766,7 +2767,7 @@
           <a:p>
             <a:fld id="{9F4DF3D0-C105-404D-A43B-7CBA1B97B744}" type="datetimeFigureOut">
               <a:rPr lang="ru-RU" smtClean="0"/>
-              <a:t>28.02.2022</a:t>
+              <a:t>11.04.2022</a:t>
             </a:fld>
             <a:endParaRPr lang="ru-RU" dirty="0"/>
           </a:p>
@@ -2979,7 +2980,7 @@
           <a:p>
             <a:fld id="{9F4DF3D0-C105-404D-A43B-7CBA1B97B744}" type="datetimeFigureOut">
               <a:rPr lang="ru-RU" smtClean="0"/>
-              <a:t>28.02.2022</a:t>
+              <a:t>11.04.2022</a:t>
             </a:fld>
             <a:endParaRPr lang="ru-RU" dirty="0"/>
           </a:p>
@@ -3440,13 +3441,8 @@
           <a:p>
             <a:r>
               <a:rPr lang="ru-RU" sz="4000" dirty="0" smtClean="0"/>
-              <a:t>Компьютерное </a:t>
-            </a:r>
-            <a:r>
-              <a:rPr lang="ru-RU" sz="4000" dirty="0" smtClean="0"/>
-              <a:t>зрение</a:t>
-            </a:r>
-            <a:endParaRPr lang="ru-RU" sz="4000" dirty="0" smtClean="0"/>
+              <a:t>Компьютерное зрение</a:t>
+            </a:r>
           </a:p>
           <a:p>
             <a:endParaRPr lang="ru-RU" dirty="0" smtClean="0"/>
@@ -3558,7 +3554,7 @@
           </a:bodyPr>
           <a:lstStyle/>
           <a:p>
-            <a:pPr marL="0" indent="0">
+            <a:pPr marL="0" indent="0" algn="just">
               <a:buNone/>
             </a:pPr>
             <a:r>
@@ -3567,20 +3563,18 @@
             </a:r>
           </a:p>
           <a:p>
-            <a:pPr marL="0" indent="0">
+            <a:pPr marL="0" indent="0" algn="just">
               <a:buNone/>
             </a:pPr>
             <a:r>
               <a:rPr lang="ru-RU" dirty="0" smtClean="0"/>
-              <a:t>Построение на изображении прямоугольника, желательно минимально возможного, полностью содержащего объект.</a:t>
+              <a:t>Построение на изображении прямоугольника, желательно минимально возможного, полностью содержащего объект</a:t>
+            </a:r>
+            <a:r>
+              <a:rPr lang="ru-RU" dirty="0" smtClean="0"/>
+              <a:t>.</a:t>
             </a:r>
             <a:endParaRPr lang="ru-RU" dirty="0"/>
-          </a:p>
-          <a:p>
-            <a:pPr marL="0" indent="0">
-              <a:buNone/>
-            </a:pPr>
-            <a:endParaRPr lang="en-US" dirty="0"/>
           </a:p>
         </p:txBody>
       </p:sp>
@@ -3662,7 +3656,7 @@
           </a:bodyPr>
           <a:lstStyle/>
           <a:p>
-            <a:pPr marL="0" indent="0">
+            <a:pPr marL="0" indent="0" algn="just">
               <a:buNone/>
             </a:pPr>
             <a:r>
@@ -3671,7 +3665,7 @@
             </a:r>
           </a:p>
           <a:p>
-            <a:pPr marL="0" indent="0">
+            <a:pPr marL="0" indent="0" algn="just">
               <a:buNone/>
             </a:pPr>
             <a:r>
@@ -3680,13 +3674,13 @@
             </a:r>
           </a:p>
           <a:p>
-            <a:pPr marL="0" indent="0">
+            <a:pPr marL="0" indent="0" algn="just">
               <a:buNone/>
             </a:pPr>
             <a:endParaRPr lang="ru-RU" dirty="0" smtClean="0"/>
           </a:p>
           <a:p>
-            <a:pPr marL="0" indent="0">
+            <a:pPr marL="0" indent="0" algn="just">
               <a:buNone/>
             </a:pPr>
             <a:r>
@@ -3695,7 +3689,7 @@
             </a:r>
           </a:p>
           <a:p>
-            <a:pPr marL="0" indent="0">
+            <a:pPr marL="0" indent="0" algn="just">
               <a:buNone/>
             </a:pPr>
             <a:r>
@@ -3705,7 +3699,7 @@
             <a:endParaRPr lang="ru-RU" dirty="0"/>
           </a:p>
           <a:p>
-            <a:pPr marL="0" indent="0">
+            <a:pPr marL="0" indent="0" algn="just">
               <a:buNone/>
             </a:pPr>
             <a:endParaRPr lang="en-US" dirty="0"/>
@@ -4059,7 +4053,7 @@
           <a:bodyPr/>
           <a:lstStyle/>
           <a:p>
-            <a:pPr marL="0" indent="0">
+            <a:pPr marL="0" indent="0" algn="just">
               <a:buNone/>
             </a:pPr>
             <a:r>
@@ -4077,7 +4071,7 @@
             <a:endParaRPr lang="en-US" dirty="0" smtClean="0"/>
           </a:p>
           <a:p>
-            <a:pPr marL="0" indent="0">
+            <a:pPr marL="0" indent="0" algn="just">
               <a:buNone/>
             </a:pPr>
             <a:r>
@@ -4086,24 +4080,27 @@
             </a:r>
           </a:p>
           <a:p>
-            <a:pPr marL="0" indent="0">
+            <a:pPr marL="0" indent="0" algn="just">
               <a:buNone/>
             </a:pPr>
             <a:endParaRPr lang="ru-RU" dirty="0"/>
           </a:p>
           <a:p>
+            <a:pPr algn="just"/>
             <a:r>
               <a:rPr lang="ru-RU" dirty="0" smtClean="0"/>
               <a:t>Обеспечение безопасности территории</a:t>
             </a:r>
           </a:p>
           <a:p>
+            <a:pPr algn="just"/>
             <a:r>
               <a:rPr lang="ru-RU" dirty="0" smtClean="0"/>
               <a:t>Самоуправляемые автомобили</a:t>
             </a:r>
           </a:p>
           <a:p>
+            <a:pPr algn="just"/>
             <a:r>
               <a:rPr lang="ru-RU" dirty="0" smtClean="0"/>
               <a:t>Анализ спортивных мероприятий</a:t>
@@ -4260,7 +4257,7 @@
           <a:bodyPr/>
           <a:lstStyle/>
           <a:p>
-            <a:pPr marL="0" indent="0">
+            <a:pPr marL="0" indent="0" algn="just">
               <a:buNone/>
             </a:pPr>
             <a:r>
@@ -4277,7 +4274,7 @@
             </a:r>
           </a:p>
           <a:p>
-            <a:pPr marL="0" indent="0">
+            <a:pPr marL="0" indent="0" algn="just">
               <a:buNone/>
             </a:pPr>
             <a:r>
@@ -4286,24 +4283,27 @@
             </a:r>
           </a:p>
           <a:p>
-            <a:pPr marL="0" indent="0">
+            <a:pPr marL="0" indent="0" algn="just">
               <a:buNone/>
             </a:pPr>
             <a:endParaRPr lang="ru-RU" dirty="0"/>
           </a:p>
           <a:p>
+            <a:pPr algn="just"/>
             <a:r>
               <a:rPr lang="ru-RU" dirty="0" smtClean="0"/>
               <a:t>Пропускные системы</a:t>
             </a:r>
           </a:p>
           <a:p>
+            <a:pPr algn="just"/>
             <a:r>
               <a:rPr lang="ru-RU" dirty="0" smtClean="0"/>
               <a:t>Видео-наблюдение</a:t>
             </a:r>
           </a:p>
           <a:p>
+            <a:pPr algn="just"/>
             <a:r>
               <a:rPr lang="en-US" dirty="0" smtClean="0"/>
               <a:t>Face hacking</a:t>
@@ -4460,7 +4460,7 @@
           <a:bodyPr/>
           <a:lstStyle/>
           <a:p>
-            <a:pPr marL="0" indent="0">
+            <a:pPr marL="0" indent="0" algn="just">
               <a:buNone/>
             </a:pPr>
             <a:r>
@@ -4478,7 +4478,7 @@
             <a:endParaRPr lang="ru-RU" dirty="0"/>
           </a:p>
           <a:p>
-            <a:pPr marL="0" indent="0">
+            <a:pPr marL="0" indent="0" algn="just">
               <a:buNone/>
             </a:pPr>
             <a:r>
@@ -4487,24 +4487,27 @@
             </a:r>
           </a:p>
           <a:p>
-            <a:pPr marL="0" indent="0">
+            <a:pPr marL="0" indent="0" algn="just">
               <a:buNone/>
             </a:pPr>
             <a:endParaRPr lang="ru-RU" dirty="0" smtClean="0"/>
           </a:p>
           <a:p>
+            <a:pPr algn="just"/>
             <a:r>
               <a:rPr lang="ru-RU" dirty="0" smtClean="0"/>
               <a:t>Оцифровка и проверка документов</a:t>
             </a:r>
           </a:p>
           <a:p>
+            <a:pPr algn="just"/>
             <a:r>
               <a:rPr lang="ru-RU" dirty="0" smtClean="0"/>
               <a:t>Сканирование книг</a:t>
             </a:r>
           </a:p>
           <a:p>
+            <a:pPr algn="just"/>
             <a:r>
               <a:rPr lang="ru-RU" dirty="0" smtClean="0"/>
               <a:t>Прохождение </a:t>
@@ -4516,7 +4519,7 @@
             <a:endParaRPr lang="ru-RU" dirty="0"/>
           </a:p>
           <a:p>
-            <a:pPr marL="0" indent="0">
+            <a:pPr marL="0" indent="0" algn="just">
               <a:buNone/>
             </a:pPr>
             <a:endParaRPr lang="ru-RU" dirty="0"/>
@@ -4946,7 +4949,7 @@
           <a:bodyPr/>
           <a:lstStyle/>
           <a:p>
-            <a:pPr marL="0" indent="0">
+            <a:pPr marL="0" indent="0" algn="just">
               <a:buNone/>
             </a:pPr>
             <a:r>
@@ -4955,24 +4958,27 @@
             </a:r>
           </a:p>
           <a:p>
-            <a:pPr marL="0" indent="0">
+            <a:pPr marL="0" indent="0" algn="just">
               <a:buNone/>
             </a:pPr>
             <a:endParaRPr lang="ru-RU" dirty="0"/>
           </a:p>
           <a:p>
+            <a:pPr algn="just"/>
             <a:r>
               <a:rPr lang="ru-RU" dirty="0" smtClean="0"/>
               <a:t>Создание повторяющегося контента</a:t>
             </a:r>
           </a:p>
           <a:p>
+            <a:pPr algn="just"/>
             <a:r>
               <a:rPr lang="ru-RU" dirty="0" smtClean="0"/>
               <a:t>Автоматическое редактирование</a:t>
             </a:r>
           </a:p>
           <a:p>
+            <a:pPr algn="just"/>
             <a:r>
               <a:rPr lang="ru-RU" dirty="0" smtClean="0"/>
               <a:t>Преобразование набросков в фотореалистичные изображения</a:t>
@@ -5054,27 +5060,37 @@
           <a:bodyPr/>
           <a:lstStyle/>
           <a:p>
+            <a:pPr algn="just"/>
             <a:r>
               <a:rPr lang="ru-RU" dirty="0"/>
               <a:t>На вход подаются двумерные матрицы, обычно в нескольких каналах (цветах).</a:t>
             </a:r>
           </a:p>
           <a:p>
+            <a:pPr algn="just"/>
             <a:r>
               <a:rPr lang="ru-RU" dirty="0"/>
               <a:t>Далее идет одна или несколько пар слоев свёртки и пулинга.</a:t>
             </a:r>
           </a:p>
           <a:p>
+            <a:pPr algn="just"/>
             <a:r>
               <a:rPr lang="ru-RU" dirty="0"/>
-              <a:t>В конце располагается обычный перцептрон.</a:t>
-            </a:r>
-          </a:p>
-          <a:p>
+              <a:t>В конце располагается </a:t>
+            </a:r>
+            <a:r>
+              <a:rPr lang="ru-RU" dirty="0" smtClean="0"/>
+              <a:t>обычная сеть прямого распространения.</a:t>
+            </a:r>
             <a:endParaRPr lang="ru-RU" dirty="0"/>
           </a:p>
           <a:p>
+            <a:pPr algn="just"/>
+            <a:endParaRPr lang="ru-RU" dirty="0"/>
+          </a:p>
+          <a:p>
+            <a:pPr algn="just"/>
             <a:r>
               <a:rPr lang="ru-RU" dirty="0"/>
               <a:t>Это позволяет существенно уменьшить число обрабатываемых параметров без потери существенной информации.</a:t>
@@ -5236,8 +5252,8 @@
           </a:p>
         </p:txBody>
       </p:sp>
-      <mc:AlternateContent xmlns:mc="http://schemas.openxmlformats.org/markup-compatibility/2006" xmlns:a14="http://schemas.microsoft.com/office/drawing/2010/main">
-        <mc:Choice Requires="a14">
+      <mc:AlternateContent xmlns:mc="http://schemas.openxmlformats.org/markup-compatibility/2006">
+        <mc:Choice xmlns:a14="http://schemas.microsoft.com/office/drawing/2010/main" Requires="a14">
           <p:sp>
             <p:nvSpPr>
               <p:cNvPr id="3" name="Объект 2"/>
@@ -5255,7 +5271,7 @@
               </a:bodyPr>
               <a:lstStyle/>
               <a:p>
-                <a:pPr marL="0" indent="0">
+                <a:pPr marL="0" indent="0" algn="just">
                   <a:buNone/>
                 </a:pPr>
                 <a:r>
@@ -5264,7 +5280,7 @@
                 </a:r>
               </a:p>
               <a:p>
-                <a:pPr marL="0" indent="0">
+                <a:pPr marL="0" indent="0" algn="just">
                   <a:buNone/>
                 </a:pPr>
                 <a:r>
@@ -5273,7 +5289,7 @@
                 </a:r>
               </a:p>
               <a:p>
-                <a:pPr marL="0" indent="0">
+                <a:pPr marL="0" indent="0" algn="just">
                   <a:buNone/>
                 </a:pPr>
                 <a:r>
@@ -5375,13 +5391,13 @@
                 </a:r>
               </a:p>
               <a:p>
-                <a:pPr marL="0" indent="0">
+                <a:pPr marL="0" indent="0" algn="just">
                   <a:buNone/>
                 </a:pPr>
                 <a:endParaRPr lang="ru-RU" dirty="0"/>
               </a:p>
               <a:p>
-                <a:pPr marL="0" indent="0">
+                <a:pPr marL="0" indent="0" algn="just">
                   <a:buNone/>
                 </a:pPr>
                 <a14:m>
@@ -5628,10 +5644,11 @@
                 <a:endParaRPr lang="ru-RU" dirty="0" smtClean="0"/>
               </a:p>
               <a:p>
+                <a:pPr algn="just"/>
                 <a:endParaRPr lang="ru-RU" dirty="0"/>
               </a:p>
               <a:p>
-                <a:pPr>
+                <a:pPr algn="just">
                   <a:buClrTx/>
                   <a:buFontTx/>
                   <a:buNone/>
@@ -5668,7 +5685,7 @@
                 </a:r>
               </a:p>
               <a:p>
-                <a:pPr>
+                <a:pPr algn="just">
                   <a:buClrTx/>
                   <a:buFontTx/>
                   <a:buNone/>
@@ -5698,7 +5715,7 @@
             </p:txBody>
           </p:sp>
         </mc:Choice>
-        <mc:Fallback xmlns="">
+        <mc:Fallback>
           <p:sp>
             <p:nvSpPr>
               <p:cNvPr id="3" name="Объект 2"/>
@@ -5713,7 +5730,7 @@
               <a:blipFill rotWithShape="0">
                 <a:blip r:embed="rId2"/>
                 <a:stretch>
-                  <a:fillRect l="-928" t="-2661" b="-1681"/>
+                  <a:fillRect l="-928" t="-2661" r="-870" b="-1681"/>
                 </a:stretch>
               </a:blipFill>
             </p:spPr>
@@ -21847,14 +21864,103 @@
           <a:lstStyle/>
           <a:p>
             <a:r>
+              <a:rPr lang="ru-RU" sz="3600" dirty="0" smtClean="0"/>
+              <a:t>Свёрточная </a:t>
+            </a:r>
+            <a:r>
+              <a:rPr lang="ru-RU" sz="3600" dirty="0"/>
+              <a:t>нейронная сеть</a:t>
+            </a:r>
+          </a:p>
+        </p:txBody>
+      </p:sp>
+      <p:pic>
+        <p:nvPicPr>
+          <p:cNvPr id="6" name="Рисунок 5"/>
+          <p:cNvPicPr>
+            <a:picLocks noChangeAspect="1"/>
+          </p:cNvPicPr>
+          <p:nvPr/>
+        </p:nvPicPr>
+        <p:blipFill>
+          <a:blip r:embed="rId2"/>
+          <a:stretch>
+            <a:fillRect/>
+          </a:stretch>
+        </p:blipFill>
+        <p:spPr>
+          <a:xfrm>
+            <a:off x="1552575" y="1919287"/>
+            <a:ext cx="9086850" cy="3019425"/>
+          </a:xfrm>
+          <a:prstGeom prst="rect">
+            <a:avLst/>
+          </a:prstGeom>
+        </p:spPr>
+      </p:pic>
+    </p:spTree>
+    <p:extLst>
+      <p:ext uri="{BB962C8B-B14F-4D97-AF65-F5344CB8AC3E}">
+        <p14:creationId xmlns:p14="http://schemas.microsoft.com/office/powerpoint/2010/main" val="4053070610"/>
+      </p:ext>
+    </p:extLst>
+  </p:cSld>
+  <p:clrMapOvr>
+    <a:masterClrMapping/>
+  </p:clrMapOvr>
+  <p:timing>
+    <p:tnLst>
+      <p:par>
+        <p:cTn id="1" dur="indefinite" restart="never" nodeType="tmRoot"/>
+      </p:par>
+    </p:tnLst>
+  </p:timing>
+</p:sld>
+</file>
+
+<file path=ppt/slides/slide34.xml><?xml version="1.0" encoding="utf-8"?>
+<p:sld xmlns:a="http://schemas.openxmlformats.org/drawingml/2006/main" xmlns:r="http://schemas.openxmlformats.org/officeDocument/2006/relationships" xmlns:p="http://schemas.openxmlformats.org/presentationml/2006/main">
+  <p:cSld>
+    <p:spTree>
+      <p:nvGrpSpPr>
+        <p:cNvPr id="1" name=""/>
+        <p:cNvGrpSpPr/>
+        <p:nvPr/>
+      </p:nvGrpSpPr>
+      <p:grpSpPr>
+        <a:xfrm>
+          <a:off x="0" y="0"/>
+          <a:ext cx="0" cy="0"/>
+          <a:chOff x="0" y="0"/>
+          <a:chExt cx="0" cy="0"/>
+        </a:xfrm>
+      </p:grpSpPr>
+      <p:sp>
+        <p:nvSpPr>
+          <p:cNvPr id="2" name="Заголовок 1"/>
+          <p:cNvSpPr>
+            <a:spLocks noGrp="1"/>
+          </p:cNvSpPr>
+          <p:nvPr>
+            <p:ph type="title"/>
+          </p:nvPr>
+        </p:nvSpPr>
+        <p:spPr/>
+        <p:txBody>
+          <a:bodyPr>
+            <a:normAutofit/>
+          </a:bodyPr>
+          <a:lstStyle/>
+          <a:p>
+            <a:r>
               <a:rPr lang="ru-RU" sz="3600" dirty="0"/>
               <a:t>Генеративно-состязательная сеть</a:t>
             </a:r>
           </a:p>
         </p:txBody>
       </p:sp>
-      <mc:AlternateContent xmlns:mc="http://schemas.openxmlformats.org/markup-compatibility/2006" xmlns:a14="http://schemas.microsoft.com/office/drawing/2010/main">
-        <mc:Choice Requires="a14">
+      <mc:AlternateContent xmlns:mc="http://schemas.openxmlformats.org/markup-compatibility/2006">
+        <mc:Choice xmlns:a14="http://schemas.microsoft.com/office/drawing/2010/main" Requires="a14">
           <p:sp>
             <p:nvSpPr>
               <p:cNvPr id="3" name="Объект 2"/>
@@ -21872,7 +21978,7 @@
               </a:bodyPr>
               <a:lstStyle/>
               <a:p>
-                <a:pPr marL="0" indent="0">
+                <a:pPr marL="0" indent="0" algn="just">
                   <a:buNone/>
                 </a:pPr>
                 <a:r>
@@ -21898,13 +22004,13 @@
                 <a:endParaRPr lang="en-US" dirty="0" smtClean="0"/>
               </a:p>
               <a:p>
-                <a:pPr marL="0" indent="0">
+                <a:pPr marL="0" indent="0" algn="just">
                   <a:buNone/>
                 </a:pPr>
                 <a:endParaRPr lang="en-US" dirty="0" smtClean="0"/>
               </a:p>
               <a:p>
-                <a:pPr marL="0" indent="0">
+                <a:pPr marL="0" indent="0" algn="just">
                   <a:buNone/>
                 </a:pPr>
                 <a:r>
@@ -22019,13 +22125,13 @@
                 <a:endParaRPr lang="en-US" dirty="0" smtClean="0"/>
               </a:p>
               <a:p>
-                <a:pPr marL="0" indent="0">
+                <a:pPr marL="0" indent="0" algn="just">
                   <a:buNone/>
                 </a:pPr>
                 <a:endParaRPr lang="en-US" dirty="0" smtClean="0"/>
               </a:p>
               <a:p>
-                <a:pPr marL="0" indent="0">
+                <a:pPr marL="0" indent="0" algn="just">
                   <a:buNone/>
                 </a:pPr>
                 <a:r>
@@ -22117,7 +22223,7 @@
             </p:txBody>
           </p:sp>
         </mc:Choice>
-        <mc:Fallback xmlns="">
+        <mc:Fallback>
           <p:sp>
             <p:nvSpPr>
               <p:cNvPr id="3" name="Объект 2"/>
@@ -22132,7 +22238,7 @@
               <a:blipFill rotWithShape="0">
                 <a:blip r:embed="rId2"/>
                 <a:stretch>
-                  <a:fillRect l="-1217" t="-2241"/>
+                  <a:fillRect l="-1217" t="-2241" r="-1159"/>
                 </a:stretch>
               </a:blipFill>
             </p:spPr>
@@ -22171,7 +22277,7 @@
 </p:sld>
 </file>
 
-<file path=ppt/slides/slide34.xml><?xml version="1.0" encoding="utf-8"?>
+<file path=ppt/slides/slide35.xml><?xml version="1.0" encoding="utf-8"?>
 <p:sld xmlns:a="http://schemas.openxmlformats.org/drawingml/2006/main" xmlns:r="http://schemas.openxmlformats.org/officeDocument/2006/relationships" xmlns:p="http://schemas.openxmlformats.org/presentationml/2006/main">
   <p:cSld>
     <p:spTree>
@@ -22212,8 +22318,8 @@
           </a:p>
         </p:txBody>
       </p:sp>
-      <mc:AlternateContent xmlns:mc="http://schemas.openxmlformats.org/markup-compatibility/2006" xmlns:a14="http://schemas.microsoft.com/office/drawing/2010/main">
-        <mc:Choice Requires="a14">
+      <mc:AlternateContent xmlns:mc="http://schemas.openxmlformats.org/markup-compatibility/2006">
+        <mc:Choice xmlns:a14="http://schemas.microsoft.com/office/drawing/2010/main" Requires="a14">
           <p:sp>
             <p:nvSpPr>
               <p:cNvPr id="3" name="Объект 2"/>
@@ -22231,7 +22337,7 @@
               </a:bodyPr>
               <a:lstStyle/>
               <a:p>
-                <a:pPr marL="0" indent="0">
+                <a:pPr marL="0" indent="0" algn="just">
                   <a:buNone/>
                 </a:pPr>
                 <a:r>
@@ -22330,7 +22436,7 @@
                 </a:r>
               </a:p>
               <a:p>
-                <a:pPr marL="0" indent="0">
+                <a:pPr marL="0" indent="0" algn="just">
                   <a:buNone/>
                 </a:pPr>
                 <a:r>
@@ -22366,7 +22472,7 @@
                 <a:endParaRPr lang="en-US" dirty="0"/>
               </a:p>
               <a:p>
-                <a:pPr marL="0" indent="0">
+                <a:pPr marL="0" indent="0" algn="just">
                   <a:buNone/>
                 </a:pPr>
                 <a:r>
@@ -22443,7 +22549,7 @@
             </p:txBody>
           </p:sp>
         </mc:Choice>
-        <mc:Fallback xmlns="">
+        <mc:Fallback>
           <p:sp>
             <p:nvSpPr>
               <p:cNvPr id="3" name="Объект 2"/>
@@ -22458,7 +22564,7 @@
               <a:blipFill rotWithShape="0">
                 <a:blip r:embed="rId2"/>
                 <a:stretch>
-                  <a:fillRect l="-1217" t="-2241" r="-116"/>
+                  <a:fillRect l="-1217" t="-2241" r="-1159"/>
                 </a:stretch>
               </a:blipFill>
             </p:spPr>
@@ -22497,7 +22603,7 @@
 </p:sld>
 </file>
 
-<file path=ppt/slides/slide35.xml><?xml version="1.0" encoding="utf-8"?>
+<file path=ppt/slides/slide36.xml><?xml version="1.0" encoding="utf-8"?>
 <p:sld xmlns:a="http://schemas.openxmlformats.org/drawingml/2006/main" xmlns:r="http://schemas.openxmlformats.org/officeDocument/2006/relationships" xmlns:p="http://schemas.openxmlformats.org/presentationml/2006/main">
   <p:cSld>
     <p:spTree>
@@ -22538,8 +22644,8 @@
           </a:p>
         </p:txBody>
       </p:sp>
-      <mc:AlternateContent xmlns:mc="http://schemas.openxmlformats.org/markup-compatibility/2006" xmlns:a14="http://schemas.microsoft.com/office/drawing/2010/main">
-        <mc:Choice Requires="a14">
+      <mc:AlternateContent xmlns:mc="http://schemas.openxmlformats.org/markup-compatibility/2006">
+        <mc:Choice xmlns:a14="http://schemas.microsoft.com/office/drawing/2010/main" Requires="a14">
           <p:sp>
             <p:nvSpPr>
               <p:cNvPr id="3" name="Объект 2"/>
@@ -22557,7 +22663,7 @@
               </a:bodyPr>
               <a:lstStyle/>
               <a:p>
-                <a:pPr marL="0" indent="0">
+                <a:pPr marL="0" indent="0" algn="just">
                   <a:buNone/>
                 </a:pPr>
                 <a:r>
@@ -22660,7 +22766,7 @@
             </p:txBody>
           </p:sp>
         </mc:Choice>
-        <mc:Fallback xmlns="">
+        <mc:Fallback>
           <p:sp>
             <p:nvSpPr>
               <p:cNvPr id="3" name="Объект 2"/>
@@ -22675,7 +22781,7 @@
               <a:blipFill rotWithShape="0">
                 <a:blip r:embed="rId2"/>
                 <a:stretch>
-                  <a:fillRect l="-1217" t="-2241"/>
+                  <a:fillRect l="-1217" t="-2241" r="-1159"/>
                 </a:stretch>
               </a:blipFill>
             </p:spPr>
@@ -22714,7 +22820,7 @@
 </p:sld>
 </file>
 
-<file path=ppt/slides/slide36.xml><?xml version="1.0" encoding="utf-8"?>
+<file path=ppt/slides/slide37.xml><?xml version="1.0" encoding="utf-8"?>
 <p:sld xmlns:a="http://schemas.openxmlformats.org/drawingml/2006/main" xmlns:r="http://schemas.openxmlformats.org/officeDocument/2006/relationships" xmlns:p="http://schemas.openxmlformats.org/presentationml/2006/main">
   <p:cSld>
     <p:spTree>
@@ -22772,7 +22878,7 @@
           </a:bodyPr>
           <a:lstStyle/>
           <a:p>
-            <a:pPr marL="0" indent="0">
+            <a:pPr marL="0" indent="0" algn="just">
               <a:buNone/>
             </a:pPr>
             <a:r>
@@ -22797,13 +22903,13 @@
             </a:r>
           </a:p>
           <a:p>
-            <a:pPr marL="0" indent="0">
+            <a:pPr marL="0" indent="0" algn="just">
               <a:buNone/>
             </a:pPr>
             <a:endParaRPr lang="en-US" dirty="0" smtClean="0"/>
           </a:p>
           <a:p>
-            <a:pPr marL="0" indent="0">
+            <a:pPr marL="0" indent="0" algn="just">
               <a:buNone/>
             </a:pPr>
             <a:r>
@@ -22850,7 +22956,7 @@
 </p:sld>
 </file>
 
-<file path=ppt/slides/slide37.xml><?xml version="1.0" encoding="utf-8"?>
+<file path=ppt/slides/slide38.xml><?xml version="1.0" encoding="utf-8"?>
 <p:sld xmlns:a="http://schemas.openxmlformats.org/drawingml/2006/main" xmlns:r="http://schemas.openxmlformats.org/officeDocument/2006/relationships" xmlns:p="http://schemas.openxmlformats.org/presentationml/2006/main">
   <p:cSld>
     <p:spTree>
@@ -25976,7 +26082,7 @@
 </p:sld>
 </file>
 
-<file path=ppt/slides/slide38.xml><?xml version="1.0" encoding="utf-8"?>
+<file path=ppt/slides/slide39.xml><?xml version="1.0" encoding="utf-8"?>
 <p:sld xmlns:a="http://schemas.openxmlformats.org/drawingml/2006/main" xmlns:r="http://schemas.openxmlformats.org/officeDocument/2006/relationships" xmlns:p="http://schemas.openxmlformats.org/presentationml/2006/main">
   <p:cSld>
     <p:spTree>
@@ -26017,8 +26123,8 @@
           </a:p>
         </p:txBody>
       </p:sp>
-      <mc:AlternateContent xmlns:mc="http://schemas.openxmlformats.org/markup-compatibility/2006" xmlns:a14="http://schemas.microsoft.com/office/drawing/2010/main">
-        <mc:Choice Requires="a14">
+      <mc:AlternateContent xmlns:mc="http://schemas.openxmlformats.org/markup-compatibility/2006">
+        <mc:Choice xmlns:a14="http://schemas.microsoft.com/office/drawing/2010/main" Requires="a14">
           <p:sp>
             <p:nvSpPr>
               <p:cNvPr id="3" name="Объект 2"/>
@@ -26036,7 +26142,7 @@
               </a:bodyPr>
               <a:lstStyle/>
               <a:p>
-                <a:pPr marL="0" indent="0">
+                <a:pPr marL="0" indent="0" algn="just">
                   <a:buNone/>
                 </a:pPr>
                 <a:r>
@@ -26057,7 +26163,7 @@
                 </a:r>
               </a:p>
               <a:p>
-                <a:pPr marL="0" indent="0">
+                <a:pPr marL="0" indent="0" algn="just">
                   <a:buNone/>
                 </a:pPr>
                 <a:endParaRPr lang="en-US" i="1" dirty="0" smtClean="0">
@@ -26065,7 +26171,7 @@
                 </a:endParaRPr>
               </a:p>
               <a:p>
-                <a:pPr marL="0" indent="0">
+                <a:pPr marL="0" indent="0" algn="just">
                   <a:buNone/>
                 </a:pPr>
                 <a14:m>
@@ -26340,7 +26446,7 @@
                 <a:endParaRPr lang="en-US" dirty="0"/>
               </a:p>
               <a:p>
-                <a:pPr marL="0" indent="0">
+                <a:pPr marL="0" indent="0" algn="just">
                   <a:buNone/>
                 </a:pPr>
                 <a:r>
@@ -26390,13 +26496,13 @@
                 </a:r>
               </a:p>
               <a:p>
-                <a:pPr marL="0" indent="0">
+                <a:pPr marL="0" indent="0" algn="just">
                   <a:buNone/>
                 </a:pPr>
                 <a:endParaRPr lang="en-US" dirty="0" smtClean="0"/>
               </a:p>
               <a:p>
-                <a:pPr marL="0" indent="0">
+                <a:pPr marL="0" indent="0" algn="just">
                   <a:buNone/>
                 </a:pPr>
                 <a:r>
@@ -26414,7 +26520,7 @@
                 <a:endParaRPr lang="en-US" dirty="0" smtClean="0"/>
               </a:p>
               <a:p>
-                <a:pPr marL="0" indent="0">
+                <a:pPr marL="0" indent="0" algn="just">
                   <a:buNone/>
                 </a:pPr>
                 <a:endParaRPr lang="en-US" i="1" dirty="0" smtClean="0">
@@ -26422,7 +26528,7 @@
                 </a:endParaRPr>
               </a:p>
               <a:p>
-                <a:pPr marL="0" indent="0">
+                <a:pPr marL="0" indent="0" algn="just">
                   <a:buNone/>
                 </a:pPr>
                 <a14:m>
@@ -26557,7 +26663,7 @@
             </p:txBody>
           </p:sp>
         </mc:Choice>
-        <mc:Fallback xmlns="">
+        <mc:Fallback>
           <p:sp>
             <p:nvSpPr>
               <p:cNvPr id="3" name="Объект 2"/>
@@ -26611,118 +26717,6 @@
 </p:sld>
 </file>
 
-<file path=ppt/slides/slide39.xml><?xml version="1.0" encoding="utf-8"?>
-<p:sld xmlns:a="http://schemas.openxmlformats.org/drawingml/2006/main" xmlns:r="http://schemas.openxmlformats.org/officeDocument/2006/relationships" xmlns:p="http://schemas.openxmlformats.org/presentationml/2006/main">
-  <p:cSld>
-    <p:spTree>
-      <p:nvGrpSpPr>
-        <p:cNvPr id="1" name=""/>
-        <p:cNvGrpSpPr/>
-        <p:nvPr/>
-      </p:nvGrpSpPr>
-      <p:grpSpPr>
-        <a:xfrm>
-          <a:off x="0" y="0"/>
-          <a:ext cx="0" cy="0"/>
-          <a:chOff x="0" y="0"/>
-          <a:chExt cx="0" cy="0"/>
-        </a:xfrm>
-      </p:grpSpPr>
-      <p:sp>
-        <p:nvSpPr>
-          <p:cNvPr id="2" name="Заголовок 1"/>
-          <p:cNvSpPr>
-            <a:spLocks noGrp="1"/>
-          </p:cNvSpPr>
-          <p:nvPr>
-            <p:ph type="title"/>
-          </p:nvPr>
-        </p:nvSpPr>
-        <p:spPr/>
-        <p:txBody>
-          <a:bodyPr>
-            <a:normAutofit/>
-          </a:bodyPr>
-          <a:lstStyle/>
-          <a:p>
-            <a:r>
-              <a:rPr lang="ru-RU" sz="3600" dirty="0"/>
-              <a:t>Генеративно-состязательная сеть</a:t>
-            </a:r>
-          </a:p>
-        </p:txBody>
-      </p:sp>
-      <p:sp>
-        <p:nvSpPr>
-          <p:cNvPr id="3" name="Объект 2"/>
-          <p:cNvSpPr>
-            <a:spLocks noGrp="1"/>
-          </p:cNvSpPr>
-          <p:nvPr>
-            <p:ph idx="1"/>
-          </p:nvPr>
-        </p:nvSpPr>
-        <p:spPr/>
-        <p:txBody>
-          <a:bodyPr>
-            <a:normAutofit/>
-          </a:bodyPr>
-          <a:lstStyle/>
-          <a:p>
-            <a:pPr marL="0" indent="0">
-              <a:buNone/>
-            </a:pPr>
-            <a:r>
-              <a:rPr lang="ru-RU" dirty="0"/>
-              <a:t>Решая противоположные задачи, генератор и дискриминатор могут войти в состояние равновесия так, чтобы распределение результатов работы генератора </a:t>
-            </a:r>
-            <a:r>
-              <a:rPr lang="ru-RU" dirty="0" smtClean="0"/>
-              <a:t>было </a:t>
-            </a:r>
-            <a:r>
-              <a:rPr lang="ru-RU" dirty="0"/>
-              <a:t>близко к распределению </a:t>
-            </a:r>
-            <a:r>
-              <a:rPr lang="ru-RU" dirty="0" smtClean="0"/>
-              <a:t>, </a:t>
-            </a:r>
-            <a:r>
-              <a:rPr lang="ru-RU" dirty="0"/>
-              <a:t>из которого сделана выборка образцов </a:t>
-            </a:r>
-            <a:r>
-              <a:rPr lang="ru-RU" i="1" dirty="0"/>
-              <a:t>S</a:t>
-            </a:r>
-            <a:r>
-              <a:rPr lang="ru-RU" dirty="0"/>
-              <a:t>.</a:t>
-            </a:r>
-          </a:p>
-        </p:txBody>
-      </p:sp>
-    </p:spTree>
-    <p:extLst>
-      <p:ext uri="{BB962C8B-B14F-4D97-AF65-F5344CB8AC3E}">
-        <p14:creationId xmlns:p14="http://schemas.microsoft.com/office/powerpoint/2010/main" val="2302059568"/>
-      </p:ext>
-    </p:extLst>
-  </p:cSld>
-  <p:clrMapOvr>
-    <a:masterClrMapping/>
-  </p:clrMapOvr>
-  <p:timing>
-    <p:tnLst>
-      <p:par>
-        <p:cTn id="1" dur="indefinite" restart="never" nodeType="tmRoot"/>
-      </p:par>
-    </p:tnLst>
-  </p:timing>
-</p:sld>
-</file>
-
 <file path=ppt/slides/slide4.xml><?xml version="1.0" encoding="utf-8"?>
 <p:sld xmlns:a="http://schemas.openxmlformats.org/drawingml/2006/main" xmlns:r="http://schemas.openxmlformats.org/officeDocument/2006/relationships" xmlns:p="http://schemas.openxmlformats.org/presentationml/2006/main">
   <p:cSld>
@@ -26780,7 +26774,7 @@
           <a:bodyPr/>
           <a:lstStyle/>
           <a:p>
-            <a:pPr marL="0" indent="0">
+            <a:pPr marL="0" indent="0" algn="just">
               <a:buNone/>
             </a:pPr>
             <a:r>
@@ -26789,13 +26783,13 @@
             </a:r>
           </a:p>
           <a:p>
-            <a:pPr marL="0" indent="0">
+            <a:pPr marL="0" indent="0" algn="just">
               <a:buNone/>
             </a:pPr>
             <a:endParaRPr lang="ru-RU" dirty="0" smtClean="0"/>
           </a:p>
           <a:p>
-            <a:pPr marL="0" indent="0">
+            <a:pPr marL="0" indent="0" algn="just">
               <a:buNone/>
             </a:pPr>
             <a:r>
@@ -26883,11 +26877,123 @@
           </a:bodyPr>
           <a:lstStyle/>
           <a:p>
-            <a:pPr marL="0" indent="0">
+            <a:pPr marL="0" indent="0" algn="just">
               <a:buNone/>
             </a:pPr>
             <a:r>
               <a:rPr lang="ru-RU" dirty="0"/>
+              <a:t>Решая противоположные задачи, генератор и дискриминатор могут войти в состояние равновесия так, чтобы распределение результатов работы генератора </a:t>
+            </a:r>
+            <a:r>
+              <a:rPr lang="ru-RU" dirty="0" smtClean="0"/>
+              <a:t>было </a:t>
+            </a:r>
+            <a:r>
+              <a:rPr lang="ru-RU" dirty="0"/>
+              <a:t>близко к распределению </a:t>
+            </a:r>
+            <a:r>
+              <a:rPr lang="ru-RU" dirty="0" smtClean="0"/>
+              <a:t>, </a:t>
+            </a:r>
+            <a:r>
+              <a:rPr lang="ru-RU" dirty="0"/>
+              <a:t>из которого сделана выборка образцов </a:t>
+            </a:r>
+            <a:r>
+              <a:rPr lang="ru-RU" i="1" dirty="0"/>
+              <a:t>S</a:t>
+            </a:r>
+            <a:r>
+              <a:rPr lang="ru-RU" dirty="0"/>
+              <a:t>.</a:t>
+            </a:r>
+          </a:p>
+        </p:txBody>
+      </p:sp>
+    </p:spTree>
+    <p:extLst>
+      <p:ext uri="{BB962C8B-B14F-4D97-AF65-F5344CB8AC3E}">
+        <p14:creationId xmlns:p14="http://schemas.microsoft.com/office/powerpoint/2010/main" val="2302059568"/>
+      </p:ext>
+    </p:extLst>
+  </p:cSld>
+  <p:clrMapOvr>
+    <a:masterClrMapping/>
+  </p:clrMapOvr>
+  <p:timing>
+    <p:tnLst>
+      <p:par>
+        <p:cTn id="1" dur="indefinite" restart="never" nodeType="tmRoot"/>
+      </p:par>
+    </p:tnLst>
+  </p:timing>
+</p:sld>
+</file>
+
+<file path=ppt/slides/slide41.xml><?xml version="1.0" encoding="utf-8"?>
+<p:sld xmlns:a="http://schemas.openxmlformats.org/drawingml/2006/main" xmlns:r="http://schemas.openxmlformats.org/officeDocument/2006/relationships" xmlns:p="http://schemas.openxmlformats.org/presentationml/2006/main">
+  <p:cSld>
+    <p:spTree>
+      <p:nvGrpSpPr>
+        <p:cNvPr id="1" name=""/>
+        <p:cNvGrpSpPr/>
+        <p:nvPr/>
+      </p:nvGrpSpPr>
+      <p:grpSpPr>
+        <a:xfrm>
+          <a:off x="0" y="0"/>
+          <a:ext cx="0" cy="0"/>
+          <a:chOff x="0" y="0"/>
+          <a:chExt cx="0" cy="0"/>
+        </a:xfrm>
+      </p:grpSpPr>
+      <p:sp>
+        <p:nvSpPr>
+          <p:cNvPr id="2" name="Заголовок 1"/>
+          <p:cNvSpPr>
+            <a:spLocks noGrp="1"/>
+          </p:cNvSpPr>
+          <p:nvPr>
+            <p:ph type="title"/>
+          </p:nvPr>
+        </p:nvSpPr>
+        <p:spPr/>
+        <p:txBody>
+          <a:bodyPr>
+            <a:normAutofit/>
+          </a:bodyPr>
+          <a:lstStyle/>
+          <a:p>
+            <a:r>
+              <a:rPr lang="ru-RU" sz="3600" dirty="0"/>
+              <a:t>Генеративно-состязательная сеть</a:t>
+            </a:r>
+          </a:p>
+        </p:txBody>
+      </p:sp>
+      <p:sp>
+        <p:nvSpPr>
+          <p:cNvPr id="3" name="Объект 2"/>
+          <p:cNvSpPr>
+            <a:spLocks noGrp="1"/>
+          </p:cNvSpPr>
+          <p:nvPr>
+            <p:ph idx="1"/>
+          </p:nvPr>
+        </p:nvSpPr>
+        <p:spPr/>
+        <p:txBody>
+          <a:bodyPr>
+            <a:normAutofit/>
+          </a:bodyPr>
+          <a:lstStyle/>
+          <a:p>
+            <a:pPr marL="0" indent="0" algn="just">
+              <a:buNone/>
+            </a:pPr>
+            <a:r>
+              <a:rPr lang="ru-RU" dirty="0"/>
               <a:t>Основная сфера использования </a:t>
             </a:r>
             <a:r>
@@ -26909,13 +27015,13 @@
             <a:endParaRPr lang="en-US" dirty="0" smtClean="0"/>
           </a:p>
           <a:p>
-            <a:pPr marL="0" indent="0">
+            <a:pPr marL="0" indent="0" algn="just">
               <a:buNone/>
             </a:pPr>
             <a:endParaRPr lang="en-US" dirty="0"/>
           </a:p>
           <a:p>
-            <a:pPr marL="0" indent="0">
+            <a:pPr marL="0" indent="0" algn="just">
               <a:buNone/>
             </a:pPr>
             <a:r>
@@ -26949,7 +27055,7 @@
 </p:sld>
 </file>
 
-<file path=ppt/slides/slide41.xml><?xml version="1.0" encoding="utf-8"?>
+<file path=ppt/slides/slide42.xml><?xml version="1.0" encoding="utf-8"?>
 <p:sld xmlns:a="http://schemas.openxmlformats.org/drawingml/2006/main" xmlns:r="http://schemas.openxmlformats.org/officeDocument/2006/relationships" xmlns:p="http://schemas.openxmlformats.org/presentationml/2006/main">
   <p:cSld>
     <p:spTree>
@@ -27040,7 +27146,7 @@
 </p:sld>
 </file>
 
-<file path=ppt/slides/slide42.xml><?xml version="1.0" encoding="utf-8"?>
+<file path=ppt/slides/slide43.xml><?xml version="1.0" encoding="utf-8"?>
 <p:sld xmlns:a="http://schemas.openxmlformats.org/drawingml/2006/main" xmlns:r="http://schemas.openxmlformats.org/officeDocument/2006/relationships" xmlns:p="http://schemas.openxmlformats.org/presentationml/2006/main">
   <p:cSld>
     <p:spTree>
@@ -27131,7 +27237,7 @@
 </p:sld>
 </file>
 
-<file path=ppt/slides/slide43.xml><?xml version="1.0" encoding="utf-8"?>
+<file path=ppt/slides/slide44.xml><?xml version="1.0" encoding="utf-8"?>
 <p:sld xmlns:a="http://schemas.openxmlformats.org/drawingml/2006/main" xmlns:r="http://schemas.openxmlformats.org/officeDocument/2006/relationships" xmlns:p="http://schemas.openxmlformats.org/presentationml/2006/main">
   <p:cSld>
     <p:spTree>
@@ -27263,74 +27369,6 @@
     <p:extLst>
       <p:ext uri="{BB962C8B-B14F-4D97-AF65-F5344CB8AC3E}">
         <p14:creationId xmlns:p14="http://schemas.microsoft.com/office/powerpoint/2010/main" val="2236621087"/>
-      </p:ext>
-    </p:extLst>
-  </p:cSld>
-  <p:clrMapOvr>
-    <a:masterClrMapping/>
-  </p:clrMapOvr>
-  <p:timing>
-    <p:tnLst>
-      <p:par>
-        <p:cTn id="1" dur="indefinite" restart="never" nodeType="tmRoot"/>
-      </p:par>
-    </p:tnLst>
-  </p:timing>
-</p:sld>
-</file>
-
-<file path=ppt/slides/slide44.xml><?xml version="1.0" encoding="utf-8"?>
-<p:sld xmlns:a="http://schemas.openxmlformats.org/drawingml/2006/main" xmlns:r="http://schemas.openxmlformats.org/officeDocument/2006/relationships" xmlns:p="http://schemas.openxmlformats.org/presentationml/2006/main">
-  <p:cSld>
-    <p:spTree>
-      <p:nvGrpSpPr>
-        <p:cNvPr id="1" name=""/>
-        <p:cNvGrpSpPr/>
-        <p:nvPr/>
-      </p:nvGrpSpPr>
-      <p:grpSpPr>
-        <a:xfrm>
-          <a:off x="0" y="0"/>
-          <a:ext cx="0" cy="0"/>
-          <a:chOff x="0" y="0"/>
-          <a:chExt cx="0" cy="0"/>
-        </a:xfrm>
-      </p:grpSpPr>
-      <p:sp>
-        <p:nvSpPr>
-          <p:cNvPr id="2" name="Заголовок 1"/>
-          <p:cNvSpPr>
-            <a:spLocks noGrp="1"/>
-          </p:cNvSpPr>
-          <p:nvPr>
-            <p:ph type="title"/>
-          </p:nvPr>
-        </p:nvSpPr>
-        <p:spPr>
-          <a:xfrm>
-            <a:off x="838200" y="2585810"/>
-            <a:ext cx="10515600" cy="1325563"/>
-          </a:xfrm>
-        </p:spPr>
-        <p:txBody>
-          <a:bodyPr>
-            <a:normAutofit/>
-          </a:bodyPr>
-          <a:lstStyle/>
-          <a:p>
-            <a:pPr algn="ctr"/>
-            <a:r>
-              <a:rPr lang="ru-RU" sz="6000" dirty="0" smtClean="0"/>
-              <a:t>Спасибо за внимание</a:t>
-            </a:r>
-            <a:endParaRPr lang="ru-RU" sz="6000" dirty="0"/>
-          </a:p>
-        </p:txBody>
-      </p:sp>
-    </p:spTree>
-    <p:extLst>
-      <p:ext uri="{BB962C8B-B14F-4D97-AF65-F5344CB8AC3E}">
-        <p14:creationId xmlns:p14="http://schemas.microsoft.com/office/powerpoint/2010/main" val="3287438502"/>
       </p:ext>
     </p:extLst>
   </p:cSld>
@@ -27374,86 +27412,31 @@
             <p:ph type="title"/>
           </p:nvPr>
         </p:nvSpPr>
-        <p:spPr/>
-        <p:txBody>
-          <a:bodyPr/>
-          <a:lstStyle/>
-          <a:p>
-            <a:r>
-              <a:rPr lang="ru-RU" dirty="0" smtClean="0"/>
-              <a:t>Контрольные вопросы</a:t>
-            </a:r>
-            <a:endParaRPr lang="ru-RU" dirty="0"/>
-          </a:p>
-        </p:txBody>
-      </p:sp>
-      <p:sp>
-        <p:nvSpPr>
-          <p:cNvPr id="3" name="Объект 2"/>
-          <p:cNvSpPr>
-            <a:spLocks noGrp="1"/>
-          </p:cNvSpPr>
-          <p:nvPr>
-            <p:ph idx="1"/>
-          </p:nvPr>
-        </p:nvSpPr>
-        <p:spPr/>
+        <p:spPr>
+          <a:xfrm>
+            <a:off x="838200" y="2585810"/>
+            <a:ext cx="10515600" cy="1325563"/>
+          </a:xfrm>
+        </p:spPr>
         <p:txBody>
           <a:bodyPr>
             <a:normAutofit/>
           </a:bodyPr>
           <a:lstStyle/>
           <a:p>
-            <a:pPr marL="0" lvl="0" indent="0">
-              <a:buNone/>
-            </a:pPr>
-            <a:r>
-              <a:rPr lang="ru-RU" dirty="0"/>
-              <a:t>Что не относится к поиску объектов на изображении? </a:t>
-            </a:r>
-            <a:endParaRPr lang="en-US" dirty="0" smtClean="0"/>
-          </a:p>
-          <a:p>
-            <a:pPr marL="0" lvl="0" indent="0">
-              <a:buNone/>
-            </a:pPr>
-            <a:endParaRPr lang="ru-RU" dirty="0"/>
-          </a:p>
-          <a:p>
-            <a:r>
-              <a:rPr lang="ru-RU" dirty="0"/>
-              <a:t>Детектирование объектов.</a:t>
-            </a:r>
-          </a:p>
-          <a:p>
-            <a:r>
-              <a:rPr lang="ru-RU" dirty="0"/>
-              <a:t>Генерация изображений.</a:t>
-            </a:r>
-          </a:p>
-          <a:p>
-            <a:r>
-              <a:rPr lang="ru-RU" dirty="0"/>
-              <a:t>Классификация изображений.</a:t>
-            </a:r>
-          </a:p>
-          <a:p>
-            <a:r>
-              <a:rPr lang="ru-RU" dirty="0"/>
-              <a:t>Сегментация изображений</a:t>
-            </a:r>
-            <a:r>
-              <a:rPr lang="ru-RU" dirty="0" smtClean="0"/>
-              <a:t>.</a:t>
-            </a:r>
-            <a:endParaRPr lang="ru-RU" dirty="0"/>
+            <a:pPr algn="ctr"/>
+            <a:r>
+              <a:rPr lang="ru-RU" sz="6000" dirty="0" smtClean="0"/>
+              <a:t>Спасибо за внимание</a:t>
+            </a:r>
+            <a:endParaRPr lang="ru-RU" sz="6000" dirty="0"/>
           </a:p>
         </p:txBody>
       </p:sp>
     </p:spTree>
     <p:extLst>
       <p:ext uri="{BB962C8B-B14F-4D97-AF65-F5344CB8AC3E}">
-        <p14:creationId xmlns:p14="http://schemas.microsoft.com/office/powerpoint/2010/main" val="63509945"/>
+        <p14:creationId xmlns:p14="http://schemas.microsoft.com/office/powerpoint/2010/main" val="3287438502"/>
       </p:ext>
     </p:extLst>
   </p:cSld>
@@ -27532,11 +27515,7 @@
             </a:pPr>
             <a:r>
               <a:rPr lang="ru-RU" dirty="0"/>
-              <a:t>Как называется построение на изображении прямоугольника, полностью содержащего объект</a:t>
-            </a:r>
-            <a:r>
-              <a:rPr lang="ru-RU" dirty="0" smtClean="0"/>
-              <a:t>?</a:t>
+              <a:t>Что не относится к поиску объектов на изображении? </a:t>
             </a:r>
             <a:endParaRPr lang="en-US" dirty="0" smtClean="0"/>
           </a:p>
@@ -27549,25 +27528,25 @@
           <a:p>
             <a:r>
               <a:rPr lang="ru-RU" dirty="0"/>
-              <a:t>Классификация изображения.</a:t>
+              <a:t>Детектирование объектов.</a:t>
             </a:r>
           </a:p>
           <a:p>
             <a:r>
               <a:rPr lang="ru-RU" dirty="0"/>
-              <a:t>Семантическая сегментация.</a:t>
+              <a:t>Генерация изображений.</a:t>
             </a:r>
           </a:p>
           <a:p>
             <a:r>
               <a:rPr lang="ru-RU" dirty="0"/>
-              <a:t>Сегментация экземпляров.</a:t>
+              <a:t>Классификация изображений.</a:t>
             </a:r>
           </a:p>
           <a:p>
             <a:r>
               <a:rPr lang="ru-RU" dirty="0"/>
-              <a:t>Детектирование объекта</a:t>
+              <a:t>Сегментация изображений</a:t>
             </a:r>
             <a:r>
               <a:rPr lang="ru-RU" dirty="0" smtClean="0"/>
@@ -27580,7 +27559,7 @@
     </p:spTree>
     <p:extLst>
       <p:ext uri="{BB962C8B-B14F-4D97-AF65-F5344CB8AC3E}">
-        <p14:creationId xmlns:p14="http://schemas.microsoft.com/office/powerpoint/2010/main" val="835774496"/>
+        <p14:creationId xmlns:p14="http://schemas.microsoft.com/office/powerpoint/2010/main" val="63509945"/>
       </p:ext>
     </p:extLst>
   </p:cSld>
@@ -27659,7 +27638,7 @@
             </a:pPr>
             <a:r>
               <a:rPr lang="ru-RU" dirty="0"/>
-              <a:t>Что происходит при семантической сегментации изображения с двумя объектами одного класса</a:t>
+              <a:t>Как называется построение на изображении прямоугольника, полностью содержащего объект</a:t>
             </a:r>
             <a:r>
               <a:rPr lang="ru-RU" dirty="0" smtClean="0"/>
@@ -27676,25 +27655,25 @@
           <a:p>
             <a:r>
               <a:rPr lang="ru-RU" dirty="0"/>
-              <a:t>Выделяется область, содержащая один из объектов.</a:t>
+              <a:t>Классификация изображения.</a:t>
             </a:r>
           </a:p>
           <a:p>
             <a:r>
               <a:rPr lang="ru-RU" dirty="0"/>
-              <a:t>Выделяется область, содержащая оба объекта.</a:t>
+              <a:t>Семантическая сегментация.</a:t>
             </a:r>
           </a:p>
           <a:p>
             <a:r>
               <a:rPr lang="ru-RU" dirty="0"/>
-              <a:t>Выделяется область, содержащая пересечение объектов.</a:t>
+              <a:t>Сегментация экземпляров.</a:t>
             </a:r>
           </a:p>
           <a:p>
             <a:r>
               <a:rPr lang="ru-RU" dirty="0"/>
-              <a:t>Семантическая сегментация не применима в таком случае</a:t>
+              <a:t>Детектирование объекта</a:t>
             </a:r>
             <a:r>
               <a:rPr lang="ru-RU" dirty="0" smtClean="0"/>
@@ -27707,7 +27686,7 @@
     </p:spTree>
     <p:extLst>
       <p:ext uri="{BB962C8B-B14F-4D97-AF65-F5344CB8AC3E}">
-        <p14:creationId xmlns:p14="http://schemas.microsoft.com/office/powerpoint/2010/main" val="3204704761"/>
+        <p14:creationId xmlns:p14="http://schemas.microsoft.com/office/powerpoint/2010/main" val="835774496"/>
       </p:ext>
     </p:extLst>
   </p:cSld>
@@ -27786,11 +27765,7 @@
             </a:pPr>
             <a:r>
               <a:rPr lang="ru-RU" dirty="0"/>
-              <a:t>К какому типу задач относится распознавание </a:t>
-            </a:r>
-            <a:r>
-              <a:rPr lang="en-US" dirty="0" err="1"/>
-              <a:t>CAPTCHA</a:t>
+              <a:t>Что происходит при семантической сегментации изображения с двумя объектами одного класса</a:t>
             </a:r>
             <a:r>
               <a:rPr lang="ru-RU" dirty="0" smtClean="0"/>
@@ -27807,25 +27782,25 @@
           <a:p>
             <a:r>
               <a:rPr lang="ru-RU" dirty="0"/>
-              <a:t>Отслеживание движущихся объектов.</a:t>
+              <a:t>Выделяется область, содержащая один из объектов.</a:t>
             </a:r>
           </a:p>
           <a:p>
             <a:r>
               <a:rPr lang="ru-RU" dirty="0"/>
-              <a:t>Распознавание лиц.</a:t>
+              <a:t>Выделяется область, содержащая оба объекта.</a:t>
             </a:r>
           </a:p>
           <a:p>
             <a:r>
               <a:rPr lang="ru-RU" dirty="0"/>
-              <a:t>Распознавание символов или текста.</a:t>
+              <a:t>Выделяется область, содержащая пересечение объектов.</a:t>
             </a:r>
           </a:p>
           <a:p>
             <a:r>
               <a:rPr lang="ru-RU" dirty="0"/>
-              <a:t>Сегментация экземпляров</a:t>
+              <a:t>Семантическая сегментация не применима в таком случае</a:t>
             </a:r>
             <a:r>
               <a:rPr lang="ru-RU" dirty="0" smtClean="0"/>
@@ -27838,7 +27813,7 @@
     </p:spTree>
     <p:extLst>
       <p:ext uri="{BB962C8B-B14F-4D97-AF65-F5344CB8AC3E}">
-        <p14:creationId xmlns:p14="http://schemas.microsoft.com/office/powerpoint/2010/main" val="3517190249"/>
+        <p14:creationId xmlns:p14="http://schemas.microsoft.com/office/powerpoint/2010/main" val="3204704761"/>
       </p:ext>
     </p:extLst>
   </p:cSld>
@@ -27917,7 +27892,11 @@
             </a:pPr>
             <a:r>
               <a:rPr lang="ru-RU" dirty="0"/>
-              <a:t>Что не относится к задаче генерации изображений</a:t>
+              <a:t>К какому типу задач относится распознавание </a:t>
+            </a:r>
+            <a:r>
+              <a:rPr lang="en-US" dirty="0" err="1"/>
+              <a:t>CAPTCHA</a:t>
             </a:r>
             <a:r>
               <a:rPr lang="ru-RU" dirty="0" smtClean="0"/>
@@ -27934,25 +27913,25 @@
           <a:p>
             <a:r>
               <a:rPr lang="ru-RU" dirty="0"/>
-              <a:t>Удаление шума с изображения.</a:t>
+              <a:t>Отслеживание движущихся объектов.</a:t>
             </a:r>
           </a:p>
           <a:p>
             <a:r>
               <a:rPr lang="ru-RU" dirty="0"/>
-              <a:t>Преобразование набросков в фотореалистичные изображения.</a:t>
+              <a:t>Распознавание лиц.</a:t>
             </a:r>
           </a:p>
           <a:p>
             <a:r>
               <a:rPr lang="ru-RU" dirty="0"/>
-              <a:t>Создание повторяющегося контента.</a:t>
+              <a:t>Распознавание символов или текста.</a:t>
             </a:r>
           </a:p>
           <a:p>
             <a:r>
               <a:rPr lang="ru-RU" dirty="0"/>
-              <a:t>Автоматическое редактирование</a:t>
+              <a:t>Сегментация экземпляров</a:t>
             </a:r>
             <a:r>
               <a:rPr lang="ru-RU" dirty="0" smtClean="0"/>
@@ -27965,7 +27944,7 @@
     </p:spTree>
     <p:extLst>
       <p:ext uri="{BB962C8B-B14F-4D97-AF65-F5344CB8AC3E}">
-        <p14:creationId xmlns:p14="http://schemas.microsoft.com/office/powerpoint/2010/main" val="2839899494"/>
+        <p14:creationId xmlns:p14="http://schemas.microsoft.com/office/powerpoint/2010/main" val="3517190249"/>
       </p:ext>
     </p:extLst>
   </p:cSld>
@@ -28039,7 +28018,7 @@
           <a:bodyPr/>
           <a:lstStyle/>
           <a:p>
-            <a:pPr marL="0" indent="0">
+            <a:pPr marL="0" indent="0" algn="just">
               <a:buNone/>
             </a:pPr>
             <a:r>
@@ -28048,13 +28027,13 @@
             </a:r>
           </a:p>
           <a:p>
-            <a:pPr marL="0" indent="0">
+            <a:pPr marL="0" indent="0" algn="just">
               <a:buNone/>
             </a:pPr>
             <a:endParaRPr lang="ru-RU" dirty="0" smtClean="0"/>
           </a:p>
           <a:p>
-            <a:pPr marL="0" indent="0">
+            <a:pPr marL="0" indent="0" algn="just">
               <a:buNone/>
             </a:pPr>
             <a:r>
@@ -28146,6 +28125,133 @@
             </a:pPr>
             <a:r>
               <a:rPr lang="ru-RU" dirty="0"/>
+              <a:t>Что не относится к задаче генерации изображений</a:t>
+            </a:r>
+            <a:r>
+              <a:rPr lang="ru-RU" dirty="0" smtClean="0"/>
+              <a:t>?</a:t>
+            </a:r>
+            <a:endParaRPr lang="en-US" dirty="0" smtClean="0"/>
+          </a:p>
+          <a:p>
+            <a:pPr marL="0" lvl="0" indent="0">
+              <a:buNone/>
+            </a:pPr>
+            <a:endParaRPr lang="ru-RU" dirty="0"/>
+          </a:p>
+          <a:p>
+            <a:r>
+              <a:rPr lang="ru-RU" dirty="0"/>
+              <a:t>Удаление шума с изображения.</a:t>
+            </a:r>
+          </a:p>
+          <a:p>
+            <a:r>
+              <a:rPr lang="ru-RU" dirty="0"/>
+              <a:t>Преобразование набросков в фотореалистичные изображения.</a:t>
+            </a:r>
+          </a:p>
+          <a:p>
+            <a:r>
+              <a:rPr lang="ru-RU" dirty="0"/>
+              <a:t>Создание повторяющегося контента.</a:t>
+            </a:r>
+          </a:p>
+          <a:p>
+            <a:r>
+              <a:rPr lang="ru-RU" dirty="0"/>
+              <a:t>Автоматическое редактирование</a:t>
+            </a:r>
+            <a:r>
+              <a:rPr lang="ru-RU" dirty="0" smtClean="0"/>
+              <a:t>.</a:t>
+            </a:r>
+            <a:endParaRPr lang="ru-RU" dirty="0"/>
+          </a:p>
+        </p:txBody>
+      </p:sp>
+    </p:spTree>
+    <p:extLst>
+      <p:ext uri="{BB962C8B-B14F-4D97-AF65-F5344CB8AC3E}">
+        <p14:creationId xmlns:p14="http://schemas.microsoft.com/office/powerpoint/2010/main" val="2839899494"/>
+      </p:ext>
+    </p:extLst>
+  </p:cSld>
+  <p:clrMapOvr>
+    <a:masterClrMapping/>
+  </p:clrMapOvr>
+  <p:timing>
+    <p:tnLst>
+      <p:par>
+        <p:cTn id="1" dur="indefinite" restart="never" nodeType="tmRoot"/>
+      </p:par>
+    </p:tnLst>
+  </p:timing>
+</p:sld>
+</file>
+
+<file path=ppt/slides/slide51.xml><?xml version="1.0" encoding="utf-8"?>
+<p:sld xmlns:a="http://schemas.openxmlformats.org/drawingml/2006/main" xmlns:r="http://schemas.openxmlformats.org/officeDocument/2006/relationships" xmlns:p="http://schemas.openxmlformats.org/presentationml/2006/main">
+  <p:cSld>
+    <p:spTree>
+      <p:nvGrpSpPr>
+        <p:cNvPr id="1" name=""/>
+        <p:cNvGrpSpPr/>
+        <p:nvPr/>
+      </p:nvGrpSpPr>
+      <p:grpSpPr>
+        <a:xfrm>
+          <a:off x="0" y="0"/>
+          <a:ext cx="0" cy="0"/>
+          <a:chOff x="0" y="0"/>
+          <a:chExt cx="0" cy="0"/>
+        </a:xfrm>
+      </p:grpSpPr>
+      <p:sp>
+        <p:nvSpPr>
+          <p:cNvPr id="2" name="Заголовок 1"/>
+          <p:cNvSpPr>
+            <a:spLocks noGrp="1"/>
+          </p:cNvSpPr>
+          <p:nvPr>
+            <p:ph type="title"/>
+          </p:nvPr>
+        </p:nvSpPr>
+        <p:spPr/>
+        <p:txBody>
+          <a:bodyPr/>
+          <a:lstStyle/>
+          <a:p>
+            <a:r>
+              <a:rPr lang="ru-RU" dirty="0" smtClean="0"/>
+              <a:t>Контрольные вопросы</a:t>
+            </a:r>
+            <a:endParaRPr lang="ru-RU" dirty="0"/>
+          </a:p>
+        </p:txBody>
+      </p:sp>
+      <p:sp>
+        <p:nvSpPr>
+          <p:cNvPr id="3" name="Объект 2"/>
+          <p:cNvSpPr>
+            <a:spLocks noGrp="1"/>
+          </p:cNvSpPr>
+          <p:nvPr>
+            <p:ph idx="1"/>
+          </p:nvPr>
+        </p:nvSpPr>
+        <p:spPr/>
+        <p:txBody>
+          <a:bodyPr>
+            <a:normAutofit/>
+          </a:bodyPr>
+          <a:lstStyle/>
+          <a:p>
+            <a:pPr marL="0" lvl="0" indent="0">
+              <a:buNone/>
+            </a:pPr>
+            <a:r>
+              <a:rPr lang="ru-RU" dirty="0"/>
               <a:t>В каком формате подаются данные на вход </a:t>
             </a:r>
             <a:r>
@@ -28219,7 +28325,7 @@
 </p:sld>
 </file>
 
-<file path=ppt/slides/slide51.xml><?xml version="1.0" encoding="utf-8"?>
+<file path=ppt/slides/slide52.xml><?xml version="1.0" encoding="utf-8"?>
 <p:sld xmlns:a="http://schemas.openxmlformats.org/drawingml/2006/main" xmlns:r="http://schemas.openxmlformats.org/officeDocument/2006/relationships" xmlns:p="http://schemas.openxmlformats.org/presentationml/2006/main">
   <p:cSld>
     <p:spTree>
@@ -28682,18 +28788,21 @@
           </a:bodyPr>
           <a:lstStyle/>
           <a:p>
+            <a:pPr algn="just"/>
             <a:r>
               <a:rPr lang="ru-RU" dirty="0"/>
               <a:t>Классификация изображений</a:t>
             </a:r>
           </a:p>
           <a:p>
+            <a:pPr algn="just"/>
             <a:r>
               <a:rPr lang="ru-RU" dirty="0"/>
               <a:t>Детектирование объектов</a:t>
             </a:r>
           </a:p>
           <a:p>
+            <a:pPr algn="just"/>
             <a:r>
               <a:rPr lang="ru-RU" dirty="0"/>
               <a:t>Сегментация </a:t>
@@ -28704,13 +28813,13 @@
             </a:r>
           </a:p>
           <a:p>
-            <a:pPr marL="0" indent="0">
+            <a:pPr marL="0" indent="0" algn="just">
               <a:buNone/>
             </a:pPr>
             <a:endParaRPr lang="ru-RU" dirty="0"/>
           </a:p>
           <a:p>
-            <a:pPr marL="0" indent="0">
+            <a:pPr marL="0" indent="0" algn="just">
               <a:buNone/>
             </a:pPr>
             <a:r>
@@ -28723,7 +28832,7 @@
             </a:r>
           </a:p>
           <a:p>
-            <a:pPr marL="0" indent="0">
+            <a:pPr marL="0" indent="0" algn="just">
               <a:buNone/>
             </a:pPr>
             <a:r>
@@ -28732,13 +28841,13 @@
             </a:r>
           </a:p>
           <a:p>
-            <a:pPr marL="0" indent="0">
+            <a:pPr marL="0" indent="0" algn="just">
               <a:buNone/>
             </a:pPr>
             <a:endParaRPr lang="ru-RU" dirty="0"/>
           </a:p>
           <a:p>
-            <a:pPr marL="0" indent="0">
+            <a:pPr marL="0" indent="0" algn="just">
               <a:buNone/>
             </a:pPr>
             <a:r>
@@ -28747,14 +28856,14 @@
             </a:r>
           </a:p>
           <a:p>
-            <a:pPr lvl="1"/>
+            <a:pPr lvl="1" algn="just"/>
             <a:r>
               <a:rPr lang="ru-RU" dirty="0" smtClean="0"/>
               <a:t>Семантическая сегментация</a:t>
             </a:r>
           </a:p>
           <a:p>
-            <a:pPr lvl="1"/>
+            <a:pPr lvl="1" algn="just"/>
             <a:r>
               <a:rPr lang="ru-RU" dirty="0" smtClean="0"/>
               <a:t>Сегментация экземпляров (инстанс-сегментация)</a:t>
@@ -28762,7 +28871,7 @@
             <a:endParaRPr lang="ru-RU" dirty="0"/>
           </a:p>
           <a:p>
-            <a:pPr marL="0" indent="0">
+            <a:pPr marL="0" indent="0" algn="just">
               <a:buNone/>
             </a:pPr>
             <a:endParaRPr lang="en-US" dirty="0"/>
@@ -28847,7 +28956,7 @@
           </a:bodyPr>
           <a:lstStyle/>
           <a:p>
-            <a:pPr marL="0" indent="0">
+            <a:pPr marL="0" indent="0" algn="just">
               <a:buNone/>
             </a:pPr>
             <a:r>
@@ -28860,7 +28969,7 @@
             </a:r>
           </a:p>
           <a:p>
-            <a:pPr marL="0" indent="0">
+            <a:pPr marL="0" indent="0" algn="just">
               <a:buNone/>
             </a:pPr>
             <a:r>
@@ -28869,13 +28978,13 @@
             </a:r>
           </a:p>
           <a:p>
-            <a:pPr marL="0" indent="0">
+            <a:pPr marL="0" indent="0" algn="just">
               <a:buNone/>
             </a:pPr>
             <a:endParaRPr lang="ru-RU" dirty="0" smtClean="0"/>
           </a:p>
           <a:p>
-            <a:pPr marL="0" indent="0">
+            <a:pPr marL="0" indent="0" algn="just">
               <a:buNone/>
             </a:pPr>
             <a:r>
